--- a/slides.pptx
+++ b/slides.pptx
@@ -14,11 +14,11 @@
     <p:sldId id="417" r:id="rId2"/>
     <p:sldId id="415" r:id="rId3"/>
     <p:sldId id="416" r:id="rId4"/>
-    <p:sldId id="421" r:id="rId5"/>
-    <p:sldId id="418" r:id="rId6"/>
-    <p:sldId id="422" r:id="rId7"/>
-    <p:sldId id="423" r:id="rId8"/>
-    <p:sldId id="420" r:id="rId9"/>
+    <p:sldId id="418" r:id="rId5"/>
+    <p:sldId id="422" r:id="rId6"/>
+    <p:sldId id="423" r:id="rId7"/>
+    <p:sldId id="420" r:id="rId8"/>
+    <p:sldId id="421" r:id="rId9"/>
   </p:sldIdLst>
   <p:sldSz cx="9144000" cy="6858000" type="screen4x3"/>
   <p:notesSz cx="6797675" cy="9874250"/>
@@ -929,7 +929,7 @@
           <a:p>
             <a:fld id="{1423A846-2295-4795-AC2C-324D745BF0B2}" type="slidenum">
               <a:rPr lang="ru-RU" smtClean="0"/>
-              <a:t>4</a:t>
+              <a:t>8</a:t>
             </a:fld>
             <a:endParaRPr lang="ru-RU"/>
           </a:p>
@@ -4362,13 +4362,7 @@
               <a:rPr lang="en-US" altLang="ru-RU" sz="1400" i="1" dirty="0" smtClean="0">
                 <a:cs typeface="Times New Roman" panose="02020603050405020304" pitchFamily="18" charset="0"/>
               </a:rPr>
-              <a:t>Huawei Research </a:t>
-            </a:r>
-            <a:r>
-              <a:rPr lang="en-US" altLang="ru-RU" sz="1400" i="1" dirty="0" smtClean="0">
-                <a:cs typeface="Times New Roman" panose="02020603050405020304" pitchFamily="18" charset="0"/>
-              </a:rPr>
-              <a:t>Center</a:t>
+              <a:t>Huawei Research Center</a:t>
             </a:r>
             <a:endParaRPr lang="ru-RU" altLang="ru-RU" sz="1400" i="1" dirty="0">
               <a:cs typeface="Times New Roman" panose="02020603050405020304" pitchFamily="18" charset="0"/>
@@ -4384,35 +4378,8 @@
               <a:rPr lang="en-US" altLang="ru-RU" sz="1400" i="1" dirty="0" smtClean="0">
                 <a:cs typeface="Times New Roman" panose="02020603050405020304" pitchFamily="18" charset="0"/>
               </a:rPr>
-              <a:t>Key Research Interests: Machine Learning, </a:t>
-            </a:r>
-            <a:r>
-              <a:rPr lang="en-US" altLang="ru-RU" sz="1400" i="1" dirty="0" smtClean="0">
-                <a:cs typeface="Times New Roman" panose="02020603050405020304" pitchFamily="18" charset="0"/>
-              </a:rPr>
-              <a:t>G</a:t>
-            </a:r>
-            <a:r>
-              <a:rPr lang="en-US" altLang="ru-RU" sz="1400" i="1" dirty="0" smtClean="0">
-                <a:cs typeface="Times New Roman" panose="02020603050405020304" pitchFamily="18" charset="0"/>
-              </a:rPr>
-              <a:t>radient-free </a:t>
-            </a:r>
-            <a:r>
-              <a:rPr lang="en-US" altLang="ru-RU" sz="1400" i="1" dirty="0" smtClean="0">
-                <a:cs typeface="Times New Roman" panose="02020603050405020304" pitchFamily="18" charset="0"/>
-              </a:rPr>
-              <a:t>methods, </a:t>
-            </a:r>
-            <a:r>
-              <a:rPr lang="en-US" altLang="ru-RU" sz="1400" i="1" dirty="0" smtClean="0">
-                <a:cs typeface="Times New Roman" panose="02020603050405020304" pitchFamily="18" charset="0"/>
-              </a:rPr>
-              <a:t>SNN.</a:t>
-            </a:r>
-            <a:endParaRPr lang="en-US" altLang="ru-RU" sz="1400" i="1" dirty="0" smtClean="0">
-              <a:cs typeface="Times New Roman" panose="02020603050405020304" pitchFamily="18" charset="0"/>
-            </a:endParaRPr>
+              <a:t>Key Research Interests: Machine Learning, Gradient-free methods, SNN.</a:t>
+            </a:r>
           </a:p>
           <a:p>
             <a:pPr algn="l" eaLnBrk="1" hangingPunct="1">
@@ -5050,14 +5017,7 @@
                 <a:latin typeface="+mn-lt"/>
                 <a:cs typeface="Times New Roman" panose="02020603050405020304" pitchFamily="18" charset="0"/>
               </a:rPr>
-              <a:t>with point </a:t>
-            </a:r>
-            <a:r>
-              <a:rPr lang="en-US" altLang="ru-RU" sz="2000" dirty="0" smtClean="0">
-                <a:latin typeface="+mn-lt"/>
-                <a:cs typeface="Times New Roman" panose="02020603050405020304" pitchFamily="18" charset="0"/>
-              </a:rPr>
-              <a:t>source:</a:t>
+              <a:t>with point source:</a:t>
             </a:r>
             <a:endParaRPr lang="ru-RU" altLang="ru-RU" sz="2000" dirty="0">
               <a:latin typeface="+mn-lt"/>
@@ -5650,8 +5610,8 @@
           </a:prstGeom>
         </p:spPr>
       </p:pic>
-      <mc:AlternateContent xmlns:mc="http://schemas.openxmlformats.org/markup-compatibility/2006">
-        <mc:Choice xmlns:a14="http://schemas.microsoft.com/office/drawing/2010/main" Requires="a14">
+      <mc:AlternateContent xmlns:mc="http://schemas.openxmlformats.org/markup-compatibility/2006" xmlns:a14="http://schemas.microsoft.com/office/drawing/2010/main">
+        <mc:Choice Requires="a14">
           <p:sp>
             <p:nvSpPr>
               <p:cNvPr id="21" name="TextBox 20"/>
@@ -5713,7 +5673,7 @@
                     <m:r>
                       <a:rPr lang="en-US" sz="1600" b="1" i="1" smtClean="0">
                         <a:effectLst/>
-                        <a:latin typeface="+mn-lt"/>
+                        <a:latin typeface="Cambria Math" panose="02040503050406030204" pitchFamily="18" charset="0"/>
                         <a:ea typeface="Cambria Math" panose="02040503050406030204" pitchFamily="18" charset="0"/>
                         <a:cs typeface="Times New Roman" panose="02020603050405020304" pitchFamily="18" charset="0"/>
                       </a:rPr>
@@ -5746,7 +5706,7 @@
             </p:txBody>
           </p:sp>
         </mc:Choice>
-        <mc:Fallback>
+        <mc:Fallback xmlns="">
           <p:sp>
             <p:nvSpPr>
               <p:cNvPr id="21" name="TextBox 20"/>
@@ -5785,8 +5745,8 @@
           </p:sp>
         </mc:Fallback>
       </mc:AlternateContent>
-      <mc:AlternateContent xmlns:mc="http://schemas.openxmlformats.org/markup-compatibility/2006">
-        <mc:Choice xmlns:a14="http://schemas.microsoft.com/office/drawing/2010/main" Requires="a14">
+      <mc:AlternateContent xmlns:mc="http://schemas.openxmlformats.org/markup-compatibility/2006" xmlns:a14="http://schemas.microsoft.com/office/drawing/2010/main">
+        <mc:Choice Requires="a14">
           <p:sp>
             <p:nvSpPr>
               <p:cNvPr id="24" name="TextBox 23"/>
@@ -5826,7 +5786,7 @@
                         <m:ctrlPr>
                           <a:rPr lang="ru-RU" sz="1600" b="1" i="1" smtClean="0">
                             <a:effectLst/>
-                            <a:latin typeface="+mn-lt"/>
+                            <a:latin typeface="Cambria Math" panose="02040503050406030204" pitchFamily="18" charset="0"/>
                             <a:cs typeface="Times New Roman" panose="02020603050405020304" pitchFamily="18" charset="0"/>
                           </a:rPr>
                         </m:ctrlPr>
@@ -5835,7 +5795,7 @@
                         <m:r>
                           <a:rPr lang="ru-RU" sz="1600" b="1" i="1" smtClean="0">
                             <a:effectLst/>
-                            <a:latin typeface="+mn-lt"/>
+                            <a:latin typeface="Cambria Math" panose="02040503050406030204" pitchFamily="18" charset="0"/>
                             <a:ea typeface="Cambria Math" panose="02040503050406030204" pitchFamily="18" charset="0"/>
                             <a:cs typeface="Times New Roman" panose="02020603050405020304" pitchFamily="18" charset="0"/>
                           </a:rPr>
@@ -5846,7 +5806,7 @@
                         <m:r>
                           <a:rPr lang="en-US" sz="1600" b="1" i="1" smtClean="0">
                             <a:effectLst/>
-                            <a:latin typeface="+mn-lt"/>
+                            <a:latin typeface="Cambria Math" panose="02040503050406030204" pitchFamily="18" charset="0"/>
                             <a:cs typeface="Times New Roman" panose="02020603050405020304" pitchFamily="18" charset="0"/>
                           </a:rPr>
                           <m:t>𝒉</m:t>
@@ -5954,7 +5914,7 @@
             </p:txBody>
           </p:sp>
         </mc:Choice>
-        <mc:Fallback>
+        <mc:Fallback xmlns="">
           <p:sp>
             <p:nvSpPr>
               <p:cNvPr id="24" name="TextBox 23"/>
@@ -6131,21 +6091,7 @@
                 <a:latin typeface="+mn-lt"/>
                 <a:cs typeface="Times New Roman" panose="02020603050405020304" pitchFamily="18" charset="0"/>
               </a:rPr>
-              <a:t>The </a:t>
-            </a:r>
-            <a:r>
-              <a:rPr lang="en-US" altLang="ru-RU" b="1" dirty="0" smtClean="0">
-                <a:latin typeface="+mn-lt"/>
-                <a:cs typeface="Times New Roman" panose="02020603050405020304" pitchFamily="18" charset="0"/>
-              </a:rPr>
-              <a:t>main restriction</a:t>
-            </a:r>
-            <a:r>
-              <a:rPr lang="en-US" altLang="ru-RU" b="1" dirty="0" smtClean="0">
-                <a:latin typeface="+mn-lt"/>
-                <a:cs typeface="Times New Roman" panose="02020603050405020304" pitchFamily="18" charset="0"/>
-              </a:rPr>
-              <a:t>:</a:t>
+              <a:t>The main restriction:</a:t>
             </a:r>
             <a:endParaRPr lang="ru-RU" altLang="ru-RU" b="1" dirty="0">
               <a:latin typeface="+mn-lt"/>
@@ -6639,23 +6585,8 @@
                 </a:solidFill>
                 <a:latin typeface="+mn-lt"/>
               </a:rPr>
-              <a:t> on Courant </a:t>
-            </a:r>
-            <a:r>
-              <a:rPr lang="en-US" sz="2200" dirty="0" smtClean="0">
-                <a:solidFill>
-                  <a:srgbClr val="00B050"/>
-                </a:solidFill>
-                <a:latin typeface="+mn-lt"/>
-              </a:rPr>
-              <a:t>number</a:t>
-            </a:r>
-            <a:endParaRPr lang="en-US" sz="2200" dirty="0" smtClean="0">
-              <a:solidFill>
-                <a:srgbClr val="00B050"/>
-              </a:solidFill>
-              <a:latin typeface="+mn-lt"/>
-            </a:endParaRPr>
+              <a:t> on Courant number</a:t>
+            </a:r>
           </a:p>
         </p:txBody>
       </p:sp>
@@ -6845,168 +6776,127 @@
       </p:grpSpPr>
       <p:sp>
         <p:nvSpPr>
-          <p:cNvPr id="4" name="TextBox 3"/>
-          <p:cNvSpPr txBox="1"/>
+          <p:cNvPr id="2" name="Заголовок 1"/>
+          <p:cNvSpPr>
+            <a:spLocks noGrp="1"/>
+          </p:cNvSpPr>
+          <p:nvPr>
+            <p:ph type="ctrTitle"/>
+          </p:nvPr>
+        </p:nvSpPr>
+        <p:spPr>
+          <a:xfrm>
+            <a:off x="762000" y="609600"/>
+            <a:ext cx="4703802" cy="463024"/>
+          </a:xfrm>
+        </p:spPr>
+        <p:txBody>
+          <a:bodyPr>
+            <a:normAutofit fontScale="90000"/>
+          </a:bodyPr>
+          <a:lstStyle/>
+          <a:p>
+            <a:pPr algn="l"/>
+            <a:r>
+              <a:rPr lang="en-US" sz="2700" b="1" dirty="0" smtClean="0"/>
+              <a:t>Actual researches</a:t>
+            </a:r>
+            <a:endParaRPr lang="ru-RU" sz="2700" b="1" dirty="0"/>
+          </a:p>
+        </p:txBody>
+      </p:sp>
+      <p:sp>
+        <p:nvSpPr>
+          <p:cNvPr id="3" name="Подзаголовок 2"/>
+          <p:cNvSpPr>
+            <a:spLocks noGrp="1"/>
+          </p:cNvSpPr>
+          <p:nvPr>
+            <p:ph type="subTitle" idx="1"/>
+          </p:nvPr>
+        </p:nvSpPr>
+        <p:spPr>
+          <a:xfrm>
+            <a:off x="762000" y="1371600"/>
+            <a:ext cx="6858000" cy="2973225"/>
+          </a:xfrm>
+        </p:spPr>
+        <p:txBody>
+          <a:bodyPr>
+            <a:normAutofit/>
+          </a:bodyPr>
+          <a:lstStyle/>
+          <a:p>
+            <a:pPr marL="257175" indent="-257175" algn="l">
+              <a:buFont typeface="Arial" panose="020B0604020202020204" pitchFamily="34" charset="0"/>
+              <a:buChar char="•"/>
+            </a:pPr>
+            <a:r>
+              <a:rPr lang="en-US" sz="1500" dirty="0"/>
+              <a:t>Comparing recurrent and convolutional neural networks for predicting wave propagation. </a:t>
+            </a:r>
+            <a:r>
+              <a:rPr lang="en-US" sz="1500" dirty="0">
+                <a:hlinkClick r:id="rId2"/>
+              </a:rPr>
+              <a:t>https://arxiv.org/pdf/2002.08981.pdf</a:t>
+            </a:r>
+            <a:endParaRPr lang="en-US" sz="1500" dirty="0"/>
+          </a:p>
+          <a:p>
+            <a:pPr marL="257175" indent="-257175" algn="l">
+              <a:buFont typeface="Arial" panose="020B0604020202020204" pitchFamily="34" charset="0"/>
+              <a:buChar char="•"/>
+            </a:pPr>
+            <a:endParaRPr lang="en-US" sz="1500" dirty="0"/>
+          </a:p>
+          <a:p>
+            <a:pPr marL="257175" indent="-257175" algn="l">
+              <a:buFont typeface="Arial" panose="020B0604020202020204" pitchFamily="34" charset="0"/>
+              <a:buChar char="•"/>
+            </a:pPr>
+            <a:r>
+              <a:rPr lang="en-US" sz="1500" dirty="0"/>
+              <a:t>Approximating the solution to wave propagation using deep neural networks. </a:t>
+            </a:r>
+            <a:r>
+              <a:rPr lang="en-US" sz="1500" dirty="0">
+                <a:hlinkClick r:id="rId3"/>
+              </a:rPr>
+              <a:t>https://arxiv.org/pdf/1812.01609.pdf</a:t>
+            </a:r>
+            <a:endParaRPr lang="en-US" sz="1500" dirty="0"/>
+          </a:p>
+        </p:txBody>
+      </p:sp>
+      <p:pic>
+        <p:nvPicPr>
+          <p:cNvPr id="4" name="Рисунок 3"/>
+          <p:cNvPicPr>
+            <a:picLocks noChangeAspect="1"/>
+          </p:cNvPicPr>
           <p:nvPr/>
-        </p:nvSpPr>
+        </p:nvPicPr>
+        <p:blipFill>
+          <a:blip r:embed="rId4"/>
+          <a:stretch>
+            <a:fillRect/>
+          </a:stretch>
+        </p:blipFill>
         <p:spPr>
           <a:xfrm>
-            <a:off x="1066799" y="685800"/>
-            <a:ext cx="6858000" cy="461665"/>
+            <a:off x="1198603" y="2858212"/>
+            <a:ext cx="6485817" cy="1927871"/>
           </a:xfrm>
           <a:prstGeom prst="rect">
             <a:avLst/>
           </a:prstGeom>
-          <a:noFill/>
-        </p:spPr>
-        <p:txBody>
-          <a:bodyPr wrap="square" rtlCol="0">
-            <a:spAutoFit/>
-          </a:bodyPr>
-          <a:lstStyle/>
-          <a:p>
-            <a:pPr algn="ctr"/>
-            <a:r>
-              <a:rPr lang="en-US" sz="2400" b="1" dirty="0" smtClean="0"/>
-              <a:t>Base ideas for training procedure:  </a:t>
-            </a:r>
-            <a:endParaRPr lang="ru-RU" sz="2400" b="1" dirty="0"/>
-          </a:p>
-        </p:txBody>
-      </p:sp>
-      <p:sp>
-        <p:nvSpPr>
-          <p:cNvPr id="2" name="TextBox 1"/>
-          <p:cNvSpPr txBox="1"/>
-          <p:nvPr/>
-        </p:nvSpPr>
-        <p:spPr>
-          <a:xfrm>
-            <a:off x="928155" y="2057400"/>
-            <a:ext cx="7135287" cy="3416320"/>
-          </a:xfrm>
-          <a:prstGeom prst="rect">
-            <a:avLst/>
-          </a:prstGeom>
-          <a:noFill/>
-        </p:spPr>
-        <p:txBody>
-          <a:bodyPr wrap="none" rtlCol="0">
-            <a:spAutoFit/>
-          </a:bodyPr>
-          <a:lstStyle/>
-          <a:p>
-            <a:pPr marL="342900" indent="-342900">
-              <a:buAutoNum type="arabicParenR"/>
-            </a:pPr>
-            <a:r>
-              <a:rPr lang="en-US" dirty="0" smtClean="0"/>
-              <a:t>Using </a:t>
-            </a:r>
-            <a:r>
-              <a:rPr lang="en-US" dirty="0" smtClean="0">
-                <a:solidFill>
-                  <a:srgbClr val="00B050"/>
-                </a:solidFill>
-              </a:rPr>
-              <a:t>at least 2 </a:t>
-            </a:r>
-            <a:r>
-              <a:rPr lang="en-US" dirty="0" smtClean="0"/>
-              <a:t>previous field snapshots for forecasting next one</a:t>
-            </a:r>
-          </a:p>
-          <a:p>
-            <a:pPr marL="342900" indent="-342900">
-              <a:buAutoNum type="arabicParenR"/>
-            </a:pPr>
-            <a:endParaRPr lang="en-US" dirty="0"/>
-          </a:p>
-          <a:p>
-            <a:pPr marL="342900" indent="-342900">
-              <a:buAutoNum type="arabicParenR"/>
-            </a:pPr>
-            <a:r>
-              <a:rPr lang="en-US" dirty="0" smtClean="0"/>
-              <a:t>Consider </a:t>
-            </a:r>
-            <a:r>
-              <a:rPr lang="en-US" dirty="0" smtClean="0">
-                <a:solidFill>
-                  <a:srgbClr val="00B050"/>
-                </a:solidFill>
-              </a:rPr>
-              <a:t>only interior grid nodes </a:t>
-            </a:r>
-            <a:r>
-              <a:rPr lang="en-US" dirty="0" smtClean="0"/>
-              <a:t>for training </a:t>
-            </a:r>
-          </a:p>
-          <a:p>
-            <a:endParaRPr lang="en-US" dirty="0" smtClean="0"/>
-          </a:p>
-          <a:p>
-            <a:r>
-              <a:rPr lang="en-US" dirty="0" smtClean="0"/>
-              <a:t>(because boundary conditions doesn’t depend on time </a:t>
-            </a:r>
-          </a:p>
-          <a:p>
-            <a:r>
-              <a:rPr lang="en-US" dirty="0" smtClean="0"/>
-              <a:t>and are described by different model)</a:t>
-            </a:r>
-          </a:p>
-          <a:p>
-            <a:endParaRPr lang="en-US" dirty="0"/>
-          </a:p>
-          <a:p>
-            <a:pPr marL="342900" indent="-342900">
-              <a:buAutoNum type="arabicParenR" startAt="3"/>
-            </a:pPr>
-            <a:r>
-              <a:rPr lang="en-US" dirty="0" smtClean="0"/>
-              <a:t>Using different source wavelet configurations on training.</a:t>
-            </a:r>
-          </a:p>
-          <a:p>
-            <a:endParaRPr lang="en-US" dirty="0" smtClean="0"/>
-          </a:p>
-          <a:p>
-            <a:r>
-              <a:rPr lang="en-US" dirty="0" smtClean="0"/>
-              <a:t>(According to tests in the </a:t>
-            </a:r>
-            <a:r>
-              <a:rPr lang="en-US" i="1" dirty="0" err="1" smtClean="0"/>
-              <a:t>TriFlow</a:t>
-            </a:r>
-            <a:r>
-              <a:rPr lang="en-US" dirty="0" smtClean="0"/>
-              <a:t> package)</a:t>
-            </a:r>
-          </a:p>
-          <a:p>
-            <a:endParaRPr lang="ru-RU" dirty="0"/>
-          </a:p>
-          <a:p>
-            <a:r>
-              <a:rPr lang="ru-RU" i="1" dirty="0" smtClean="0"/>
-              <a:t>4+) </a:t>
-            </a:r>
-            <a:r>
-              <a:rPr lang="en-US" i="1" dirty="0" smtClean="0"/>
-              <a:t>Using image method (geometric interpretation)</a:t>
-            </a:r>
-            <a:endParaRPr lang="ru-RU" i="1" dirty="0" smtClean="0"/>
-          </a:p>
-        </p:txBody>
-      </p:sp>
+        </p:spPr>
+      </p:pic>
     </p:spTree>
     <p:extLst>
       <p:ext uri="{BB962C8B-B14F-4D97-AF65-F5344CB8AC3E}">
-        <p14:creationId xmlns:p14="http://schemas.microsoft.com/office/powerpoint/2010/main" val="1709035602"/>
+        <p14:creationId xmlns:p14="http://schemas.microsoft.com/office/powerpoint/2010/main" val="1526974712"/>
       </p:ext>
     </p:extLst>
   </p:cSld>
@@ -7052,7 +6942,7 @@
         </p:nvSpPr>
         <p:spPr>
           <a:xfrm>
-            <a:off x="762000" y="609600"/>
+            <a:off x="782598" y="609600"/>
             <a:ext cx="4703802" cy="463024"/>
           </a:xfrm>
         </p:spPr>
@@ -7071,98 +6961,126 @@
           </a:p>
         </p:txBody>
       </p:sp>
-      <p:sp>
-        <p:nvSpPr>
-          <p:cNvPr id="3" name="Подзаголовок 2"/>
-          <p:cNvSpPr>
-            <a:spLocks noGrp="1"/>
-          </p:cNvSpPr>
-          <p:nvPr>
-            <p:ph type="subTitle" idx="1"/>
-          </p:nvPr>
-        </p:nvSpPr>
-        <p:spPr>
-          <a:xfrm>
-            <a:off x="762000" y="1371600"/>
-            <a:ext cx="6858000" cy="2973225"/>
-          </a:xfrm>
-        </p:spPr>
-        <p:txBody>
-          <a:bodyPr>
-            <a:normAutofit/>
-          </a:bodyPr>
-          <a:lstStyle/>
-          <a:p>
-            <a:pPr marL="257175" indent="-257175" algn="l">
-              <a:buFont typeface="Arial" panose="020B0604020202020204" pitchFamily="34" charset="0"/>
-              <a:buChar char="•"/>
-            </a:pPr>
-            <a:r>
-              <a:rPr lang="en-US" sz="1500" dirty="0"/>
-              <a:t>Comparing recurrent and convolutional neural networks for predicting wave propagation. </a:t>
-            </a:r>
-            <a:r>
-              <a:rPr lang="en-US" sz="1500" dirty="0">
-                <a:hlinkClick r:id="rId2"/>
-              </a:rPr>
-              <a:t>https://arxiv.org/pdf/2002.08981.pdf</a:t>
-            </a:r>
-            <a:endParaRPr lang="en-US" sz="1500" dirty="0"/>
-          </a:p>
-          <a:p>
-            <a:pPr marL="257175" indent="-257175" algn="l">
-              <a:buFont typeface="Arial" panose="020B0604020202020204" pitchFamily="34" charset="0"/>
-              <a:buChar char="•"/>
-            </a:pPr>
-            <a:endParaRPr lang="en-US" sz="1500" dirty="0"/>
-          </a:p>
-          <a:p>
-            <a:pPr marL="257175" indent="-257175" algn="l">
-              <a:buFont typeface="Arial" panose="020B0604020202020204" pitchFamily="34" charset="0"/>
-              <a:buChar char="•"/>
-            </a:pPr>
-            <a:r>
-              <a:rPr lang="en-US" sz="1500" dirty="0"/>
-              <a:t>Approximating the solution to wave propagation using deep neural networks. </a:t>
-            </a:r>
-            <a:r>
-              <a:rPr lang="en-US" sz="1500" dirty="0">
-                <a:hlinkClick r:id="rId3"/>
-              </a:rPr>
-              <a:t>https://arxiv.org/pdf/1812.01609.pdf</a:t>
-            </a:r>
-            <a:endParaRPr lang="en-US" sz="1500" dirty="0"/>
-          </a:p>
-        </p:txBody>
-      </p:sp>
       <p:pic>
         <p:nvPicPr>
-          <p:cNvPr id="4" name="Рисунок 3"/>
+          <p:cNvPr id="5" name="Рисунок 4"/>
           <p:cNvPicPr>
             <a:picLocks noChangeAspect="1"/>
           </p:cNvPicPr>
           <p:nvPr/>
         </p:nvPicPr>
         <p:blipFill>
-          <a:blip r:embed="rId4"/>
+          <a:blip r:embed="rId2"/>
           <a:stretch>
             <a:fillRect/>
           </a:stretch>
         </p:blipFill>
         <p:spPr>
           <a:xfrm>
-            <a:off x="1198603" y="2858212"/>
-            <a:ext cx="6485817" cy="1927871"/>
+            <a:off x="2590800" y="1207985"/>
+            <a:ext cx="5264982" cy="2536031"/>
           </a:xfrm>
           <a:prstGeom prst="rect">
             <a:avLst/>
           </a:prstGeom>
         </p:spPr>
       </p:pic>
+      <p:pic>
+        <p:nvPicPr>
+          <p:cNvPr id="6" name="Рисунок 5"/>
+          <p:cNvPicPr>
+            <a:picLocks noChangeAspect="1"/>
+          </p:cNvPicPr>
+          <p:nvPr/>
+        </p:nvPicPr>
+        <p:blipFill>
+          <a:blip r:embed="rId3"/>
+          <a:stretch>
+            <a:fillRect/>
+          </a:stretch>
+        </p:blipFill>
+        <p:spPr>
+          <a:xfrm>
+            <a:off x="2822991" y="4191000"/>
+            <a:ext cx="4800600" cy="1860395"/>
+          </a:xfrm>
+          <a:prstGeom prst="rect">
+            <a:avLst/>
+          </a:prstGeom>
+        </p:spPr>
+      </p:pic>
+      <p:sp>
+        <p:nvSpPr>
+          <p:cNvPr id="7" name="TextBox 6"/>
+          <p:cNvSpPr txBox="1"/>
+          <p:nvPr/>
+        </p:nvSpPr>
+        <p:spPr>
+          <a:xfrm>
+            <a:off x="574528" y="2291334"/>
+            <a:ext cx="1685077" cy="369332"/>
+          </a:xfrm>
+          <a:prstGeom prst="rect">
+            <a:avLst/>
+          </a:prstGeom>
+          <a:noFill/>
+        </p:spPr>
+        <p:txBody>
+          <a:bodyPr wrap="none" rtlCol="0">
+            <a:spAutoFit/>
+          </a:bodyPr>
+          <a:lstStyle/>
+          <a:p>
+            <a:r>
+              <a:rPr lang="en-US" dirty="0" err="1" smtClean="0"/>
+              <a:t>EncDec</a:t>
+            </a:r>
+            <a:r>
+              <a:rPr lang="en-US" dirty="0"/>
+              <a:t>-</a:t>
+            </a:r>
+            <a:r>
+              <a:rPr lang="en-US" dirty="0" smtClean="0"/>
+              <a:t>LSTM</a:t>
+            </a:r>
+            <a:endParaRPr lang="ru-RU" dirty="0"/>
+          </a:p>
+        </p:txBody>
+      </p:sp>
+      <p:sp>
+        <p:nvSpPr>
+          <p:cNvPr id="9" name="TextBox 8"/>
+          <p:cNvSpPr txBox="1"/>
+          <p:nvPr/>
+        </p:nvSpPr>
+        <p:spPr>
+          <a:xfrm>
+            <a:off x="747653" y="5121197"/>
+            <a:ext cx="1338828" cy="369332"/>
+          </a:xfrm>
+          <a:prstGeom prst="rect">
+            <a:avLst/>
+          </a:prstGeom>
+          <a:noFill/>
+        </p:spPr>
+        <p:txBody>
+          <a:bodyPr wrap="none" rtlCol="0">
+            <a:spAutoFit/>
+          </a:bodyPr>
+          <a:lstStyle/>
+          <a:p>
+            <a:r>
+              <a:rPr lang="en-US" dirty="0" err="1" smtClean="0"/>
+              <a:t>ConvLSTM</a:t>
+            </a:r>
+            <a:endParaRPr lang="ru-RU" dirty="0"/>
+          </a:p>
+        </p:txBody>
+      </p:sp>
     </p:spTree>
     <p:extLst>
       <p:ext uri="{BB962C8B-B14F-4D97-AF65-F5344CB8AC3E}">
-        <p14:creationId xmlns:p14="http://schemas.microsoft.com/office/powerpoint/2010/main" val="1526974712"/>
+        <p14:creationId xmlns:p14="http://schemas.microsoft.com/office/powerpoint/2010/main" val="998848736"/>
       </p:ext>
     </p:extLst>
   </p:cSld>
@@ -7227,190 +7145,6 @@
           </a:p>
         </p:txBody>
       </p:sp>
-      <p:pic>
-        <p:nvPicPr>
-          <p:cNvPr id="5" name="Рисунок 4"/>
-          <p:cNvPicPr>
-            <a:picLocks noChangeAspect="1"/>
-          </p:cNvPicPr>
-          <p:nvPr/>
-        </p:nvPicPr>
-        <p:blipFill>
-          <a:blip r:embed="rId2"/>
-          <a:stretch>
-            <a:fillRect/>
-          </a:stretch>
-        </p:blipFill>
-        <p:spPr>
-          <a:xfrm>
-            <a:off x="2590800" y="1207985"/>
-            <a:ext cx="5264982" cy="2536031"/>
-          </a:xfrm>
-          <a:prstGeom prst="rect">
-            <a:avLst/>
-          </a:prstGeom>
-        </p:spPr>
-      </p:pic>
-      <p:pic>
-        <p:nvPicPr>
-          <p:cNvPr id="6" name="Рисунок 5"/>
-          <p:cNvPicPr>
-            <a:picLocks noChangeAspect="1"/>
-          </p:cNvPicPr>
-          <p:nvPr/>
-        </p:nvPicPr>
-        <p:blipFill>
-          <a:blip r:embed="rId3"/>
-          <a:stretch>
-            <a:fillRect/>
-          </a:stretch>
-        </p:blipFill>
-        <p:spPr>
-          <a:xfrm>
-            <a:off x="2822991" y="4191000"/>
-            <a:ext cx="4800600" cy="1860395"/>
-          </a:xfrm>
-          <a:prstGeom prst="rect">
-            <a:avLst/>
-          </a:prstGeom>
-        </p:spPr>
-      </p:pic>
-      <p:sp>
-        <p:nvSpPr>
-          <p:cNvPr id="7" name="TextBox 6"/>
-          <p:cNvSpPr txBox="1"/>
-          <p:nvPr/>
-        </p:nvSpPr>
-        <p:spPr>
-          <a:xfrm>
-            <a:off x="574528" y="2291334"/>
-            <a:ext cx="1685077" cy="369332"/>
-          </a:xfrm>
-          <a:prstGeom prst="rect">
-            <a:avLst/>
-          </a:prstGeom>
-          <a:noFill/>
-        </p:spPr>
-        <p:txBody>
-          <a:bodyPr wrap="none" rtlCol="0">
-            <a:spAutoFit/>
-          </a:bodyPr>
-          <a:lstStyle/>
-          <a:p>
-            <a:r>
-              <a:rPr lang="en-US" dirty="0" err="1" smtClean="0"/>
-              <a:t>EncDec</a:t>
-            </a:r>
-            <a:r>
-              <a:rPr lang="en-US" dirty="0"/>
-              <a:t>-</a:t>
-            </a:r>
-            <a:r>
-              <a:rPr lang="en-US" dirty="0" smtClean="0"/>
-              <a:t>LSTM</a:t>
-            </a:r>
-            <a:endParaRPr lang="ru-RU" dirty="0"/>
-          </a:p>
-        </p:txBody>
-      </p:sp>
-      <p:sp>
-        <p:nvSpPr>
-          <p:cNvPr id="9" name="TextBox 8"/>
-          <p:cNvSpPr txBox="1"/>
-          <p:nvPr/>
-        </p:nvSpPr>
-        <p:spPr>
-          <a:xfrm>
-            <a:off x="747653" y="5121197"/>
-            <a:ext cx="1338828" cy="369332"/>
-          </a:xfrm>
-          <a:prstGeom prst="rect">
-            <a:avLst/>
-          </a:prstGeom>
-          <a:noFill/>
-        </p:spPr>
-        <p:txBody>
-          <a:bodyPr wrap="none" rtlCol="0">
-            <a:spAutoFit/>
-          </a:bodyPr>
-          <a:lstStyle/>
-          <a:p>
-            <a:r>
-              <a:rPr lang="en-US" dirty="0" err="1" smtClean="0"/>
-              <a:t>ConvLSTM</a:t>
-            </a:r>
-            <a:endParaRPr lang="ru-RU" dirty="0"/>
-          </a:p>
-        </p:txBody>
-      </p:sp>
-    </p:spTree>
-    <p:extLst>
-      <p:ext uri="{BB962C8B-B14F-4D97-AF65-F5344CB8AC3E}">
-        <p14:creationId xmlns:p14="http://schemas.microsoft.com/office/powerpoint/2010/main" val="998848736"/>
-      </p:ext>
-    </p:extLst>
-  </p:cSld>
-  <p:clrMapOvr>
-    <a:masterClrMapping/>
-  </p:clrMapOvr>
-  <p:timing>
-    <p:tnLst>
-      <p:par>
-        <p:cTn id="1" dur="indefinite" restart="never" nodeType="tmRoot"/>
-      </p:par>
-    </p:tnLst>
-  </p:timing>
-</p:sld>
-</file>
-
-<file path=ppt/slides/slide7.xml><?xml version="1.0" encoding="utf-8"?>
-<p:sld xmlns:a="http://schemas.openxmlformats.org/drawingml/2006/main" xmlns:r="http://schemas.openxmlformats.org/officeDocument/2006/relationships" xmlns:p="http://schemas.openxmlformats.org/presentationml/2006/main">
-  <p:cSld>
-    <p:spTree>
-      <p:nvGrpSpPr>
-        <p:cNvPr id="1" name=""/>
-        <p:cNvGrpSpPr/>
-        <p:nvPr/>
-      </p:nvGrpSpPr>
-      <p:grpSpPr>
-        <a:xfrm>
-          <a:off x="0" y="0"/>
-          <a:ext cx="0" cy="0"/>
-          <a:chOff x="0" y="0"/>
-          <a:chExt cx="0" cy="0"/>
-        </a:xfrm>
-      </p:grpSpPr>
-      <p:sp>
-        <p:nvSpPr>
-          <p:cNvPr id="2" name="Заголовок 1"/>
-          <p:cNvSpPr>
-            <a:spLocks noGrp="1"/>
-          </p:cNvSpPr>
-          <p:nvPr>
-            <p:ph type="ctrTitle"/>
-          </p:nvPr>
-        </p:nvSpPr>
-        <p:spPr>
-          <a:xfrm>
-            <a:off x="782598" y="609600"/>
-            <a:ext cx="4703802" cy="463024"/>
-          </a:xfrm>
-        </p:spPr>
-        <p:txBody>
-          <a:bodyPr>
-            <a:normAutofit fontScale="90000"/>
-          </a:bodyPr>
-          <a:lstStyle/>
-          <a:p>
-            <a:pPr algn="l"/>
-            <a:r>
-              <a:rPr lang="en-US" sz="2700" b="1" dirty="0" smtClean="0"/>
-              <a:t>Actual researches</a:t>
-            </a:r>
-            <a:endParaRPr lang="ru-RU" sz="2700" b="1" dirty="0"/>
-          </a:p>
-        </p:txBody>
-      </p:sp>
       <p:sp>
         <p:nvSpPr>
           <p:cNvPr id="7" name="TextBox 6"/>
@@ -7543,7 +7277,7 @@
 </p:sld>
 </file>
 
-<file path=ppt/slides/slide8.xml><?xml version="1.0" encoding="utf-8"?>
+<file path=ppt/slides/slide7.xml><?xml version="1.0" encoding="utf-8"?>
 <p:sld xmlns:a="http://schemas.openxmlformats.org/drawingml/2006/main" xmlns:r="http://schemas.openxmlformats.org/officeDocument/2006/relationships" xmlns:p="http://schemas.openxmlformats.org/presentationml/2006/main">
   <p:cSld>
     <p:spTree>
@@ -7717,6 +7451,203 @@
     <p:extLst>
       <p:ext uri="{BB962C8B-B14F-4D97-AF65-F5344CB8AC3E}">
         <p14:creationId xmlns:p14="http://schemas.microsoft.com/office/powerpoint/2010/main" val="1404765544"/>
+      </p:ext>
+    </p:extLst>
+  </p:cSld>
+  <p:clrMapOvr>
+    <a:masterClrMapping/>
+  </p:clrMapOvr>
+  <p:timing>
+    <p:tnLst>
+      <p:par>
+        <p:cTn id="1" dur="indefinite" restart="never" nodeType="tmRoot"/>
+      </p:par>
+    </p:tnLst>
+  </p:timing>
+</p:sld>
+</file>
+
+<file path=ppt/slides/slide8.xml><?xml version="1.0" encoding="utf-8"?>
+<p:sld xmlns:a="http://schemas.openxmlformats.org/drawingml/2006/main" xmlns:r="http://schemas.openxmlformats.org/officeDocument/2006/relationships" xmlns:p="http://schemas.openxmlformats.org/presentationml/2006/main">
+  <p:cSld>
+    <p:spTree>
+      <p:nvGrpSpPr>
+        <p:cNvPr id="1" name=""/>
+        <p:cNvGrpSpPr/>
+        <p:nvPr/>
+      </p:nvGrpSpPr>
+      <p:grpSpPr>
+        <a:xfrm>
+          <a:off x="0" y="0"/>
+          <a:ext cx="0" cy="0"/>
+          <a:chOff x="0" y="0"/>
+          <a:chExt cx="0" cy="0"/>
+        </a:xfrm>
+      </p:grpSpPr>
+      <p:sp>
+        <p:nvSpPr>
+          <p:cNvPr id="4" name="TextBox 3"/>
+          <p:cNvSpPr txBox="1"/>
+          <p:nvPr/>
+        </p:nvSpPr>
+        <p:spPr>
+          <a:xfrm>
+            <a:off x="1066799" y="685800"/>
+            <a:ext cx="6858000" cy="461665"/>
+          </a:xfrm>
+          <a:prstGeom prst="rect">
+            <a:avLst/>
+          </a:prstGeom>
+          <a:noFill/>
+        </p:spPr>
+        <p:txBody>
+          <a:bodyPr wrap="square" rtlCol="0">
+            <a:spAutoFit/>
+          </a:bodyPr>
+          <a:lstStyle/>
+          <a:p>
+            <a:pPr algn="ctr"/>
+            <a:r>
+              <a:rPr lang="en-US" sz="2400" b="1" dirty="0" smtClean="0"/>
+              <a:t>Base ideas for training procedure:  </a:t>
+            </a:r>
+            <a:endParaRPr lang="ru-RU" sz="2400" b="1" dirty="0"/>
+          </a:p>
+        </p:txBody>
+      </p:sp>
+      <p:sp>
+        <p:nvSpPr>
+          <p:cNvPr id="2" name="TextBox 1"/>
+          <p:cNvSpPr txBox="1"/>
+          <p:nvPr/>
+        </p:nvSpPr>
+        <p:spPr>
+          <a:xfrm>
+            <a:off x="928155" y="2057400"/>
+            <a:ext cx="7135287" cy="3416320"/>
+          </a:xfrm>
+          <a:prstGeom prst="rect">
+            <a:avLst/>
+          </a:prstGeom>
+          <a:noFill/>
+        </p:spPr>
+        <p:txBody>
+          <a:bodyPr wrap="none" rtlCol="0">
+            <a:spAutoFit/>
+          </a:bodyPr>
+          <a:lstStyle/>
+          <a:p>
+            <a:pPr marL="342900" indent="-342900">
+              <a:buAutoNum type="arabicParenR"/>
+            </a:pPr>
+            <a:r>
+              <a:rPr lang="en-US" dirty="0" smtClean="0"/>
+              <a:t>Using </a:t>
+            </a:r>
+            <a:r>
+              <a:rPr lang="en-US" dirty="0" smtClean="0">
+                <a:solidFill>
+                  <a:srgbClr val="00B050"/>
+                </a:solidFill>
+              </a:rPr>
+              <a:t>at least 2 </a:t>
+            </a:r>
+            <a:r>
+              <a:rPr lang="en-US" dirty="0" smtClean="0"/>
+              <a:t>previous field snapshots for forecasting next one</a:t>
+            </a:r>
+          </a:p>
+          <a:p>
+            <a:pPr marL="342900" indent="-342900">
+              <a:buAutoNum type="arabicParenR"/>
+            </a:pPr>
+            <a:endParaRPr lang="en-US" dirty="0"/>
+          </a:p>
+          <a:p>
+            <a:pPr marL="342900" indent="-342900">
+              <a:buAutoNum type="arabicParenR"/>
+            </a:pPr>
+            <a:r>
+              <a:rPr lang="en-US" dirty="0" smtClean="0"/>
+              <a:t>Consider </a:t>
+            </a:r>
+            <a:r>
+              <a:rPr lang="en-US" dirty="0" smtClean="0">
+                <a:solidFill>
+                  <a:srgbClr val="00B050"/>
+                </a:solidFill>
+              </a:rPr>
+              <a:t>only interior grid nodes </a:t>
+            </a:r>
+            <a:r>
+              <a:rPr lang="en-US" dirty="0" smtClean="0"/>
+              <a:t>for training </a:t>
+            </a:r>
+          </a:p>
+          <a:p>
+            <a:endParaRPr lang="en-US" dirty="0" smtClean="0"/>
+          </a:p>
+          <a:p>
+            <a:r>
+              <a:rPr lang="en-US" dirty="0" smtClean="0"/>
+              <a:t>(because boundary conditions doesn’t depend on time </a:t>
+            </a:r>
+          </a:p>
+          <a:p>
+            <a:r>
+              <a:rPr lang="en-US" dirty="0" smtClean="0"/>
+              <a:t>and are described by different model)</a:t>
+            </a:r>
+          </a:p>
+          <a:p>
+            <a:endParaRPr lang="en-US" dirty="0"/>
+          </a:p>
+          <a:p>
+            <a:pPr marL="342900" indent="-342900">
+              <a:buAutoNum type="arabicParenR" startAt="3"/>
+            </a:pPr>
+            <a:r>
+              <a:rPr lang="en-US" dirty="0" smtClean="0"/>
+              <a:t>Using different source wavelet configurations on training.</a:t>
+            </a:r>
+          </a:p>
+          <a:p>
+            <a:endParaRPr lang="en-US" dirty="0" smtClean="0"/>
+          </a:p>
+          <a:p>
+            <a:r>
+              <a:rPr lang="en-US" dirty="0" smtClean="0"/>
+              <a:t>(According to tests in the </a:t>
+            </a:r>
+            <a:r>
+              <a:rPr lang="en-US" i="1" dirty="0" err="1" smtClean="0"/>
+              <a:t>TriFlow</a:t>
+            </a:r>
+            <a:r>
+              <a:rPr lang="en-US" dirty="0" smtClean="0"/>
+              <a:t> package)</a:t>
+            </a:r>
+          </a:p>
+          <a:p>
+            <a:endParaRPr lang="ru-RU" dirty="0"/>
+          </a:p>
+          <a:p>
+            <a:r>
+              <a:rPr lang="ru-RU" i="1" dirty="0" smtClean="0"/>
+              <a:t>4+) </a:t>
+            </a:r>
+            <a:r>
+              <a:rPr lang="en-US" i="1" dirty="0" smtClean="0"/>
+              <a:t>Using image method (geometric interpretation)</a:t>
+            </a:r>
+            <a:endParaRPr lang="ru-RU" i="1" dirty="0" smtClean="0"/>
+          </a:p>
+        </p:txBody>
+      </p:sp>
+    </p:spTree>
+    <p:extLst>
+      <p:ext uri="{BB962C8B-B14F-4D97-AF65-F5344CB8AC3E}">
+        <p14:creationId xmlns:p14="http://schemas.microsoft.com/office/powerpoint/2010/main" val="1709035602"/>
       </p:ext>
     </p:extLst>
   </p:cSld>
